--- a/Documnet/Shadow Game/shadow game.pptx
+++ b/Documnet/Shadow Game/shadow game.pptx
@@ -364,7 +364,7 @@
             <a:fld id="{9502BB97-296E-4713-B457-328173D87F93}" type="datetimeFigureOut">
               <a:rPr lang="ko-KR" altLang="en-US" smtClean="0"/>
               <a:pPr/>
-              <a:t>2017-01-11</a:t>
+              <a:t>2017-02-10</a:t>
             </a:fld>
             <a:endParaRPr lang="ko-KR" altLang="en-US"/>
           </a:p>
@@ -589,7 +589,7 @@
             <a:fld id="{9502BB97-296E-4713-B457-328173D87F93}" type="datetimeFigureOut">
               <a:rPr lang="ko-KR" altLang="en-US" smtClean="0"/>
               <a:pPr/>
-              <a:t>2017-01-11</a:t>
+              <a:t>2017-02-10</a:t>
             </a:fld>
             <a:endParaRPr lang="ko-KR" altLang="en-US"/>
           </a:p>
@@ -871,7 +871,7 @@
             <a:fld id="{9502BB97-296E-4713-B457-328173D87F93}" type="datetimeFigureOut">
               <a:rPr lang="ko-KR" altLang="en-US" smtClean="0"/>
               <a:pPr/>
-              <a:t>2017-01-11</a:t>
+              <a:t>2017-02-10</a:t>
             </a:fld>
             <a:endParaRPr lang="ko-KR" altLang="en-US"/>
           </a:p>
@@ -1052,7 +1052,7 @@
             <a:fld id="{9502BB97-296E-4713-B457-328173D87F93}" type="datetimeFigureOut">
               <a:rPr lang="ko-KR" altLang="en-US" smtClean="0"/>
               <a:pPr/>
-              <a:t>2017-01-11</a:t>
+              <a:t>2017-02-10</a:t>
             </a:fld>
             <a:endParaRPr lang="ko-KR" altLang="en-US"/>
           </a:p>
@@ -1412,7 +1412,7 @@
             <a:fld id="{9502BB97-296E-4713-B457-328173D87F93}" type="datetimeFigureOut">
               <a:rPr lang="ko-KR" altLang="en-US" smtClean="0"/>
               <a:pPr/>
-              <a:t>2017-01-11</a:t>
+              <a:t>2017-02-10</a:t>
             </a:fld>
             <a:endParaRPr lang="ko-KR" altLang="en-US"/>
           </a:p>
@@ -1701,7 +1701,7 @@
             <a:fld id="{9502BB97-296E-4713-B457-328173D87F93}" type="datetimeFigureOut">
               <a:rPr lang="ko-KR" altLang="en-US" smtClean="0"/>
               <a:pPr/>
-              <a:t>2017-01-11</a:t>
+              <a:t>2017-02-10</a:t>
             </a:fld>
             <a:endParaRPr lang="ko-KR" altLang="en-US"/>
           </a:p>
@@ -2125,7 +2125,7 @@
             <a:fld id="{9502BB97-296E-4713-B457-328173D87F93}" type="datetimeFigureOut">
               <a:rPr lang="ko-KR" altLang="en-US" smtClean="0"/>
               <a:pPr/>
-              <a:t>2017-01-11</a:t>
+              <a:t>2017-02-10</a:t>
             </a:fld>
             <a:endParaRPr lang="ko-KR" altLang="en-US"/>
           </a:p>
@@ -2242,7 +2242,7 @@
             <a:fld id="{9502BB97-296E-4713-B457-328173D87F93}" type="datetimeFigureOut">
               <a:rPr lang="ko-KR" altLang="en-US" smtClean="0"/>
               <a:pPr/>
-              <a:t>2017-01-11</a:t>
+              <a:t>2017-02-10</a:t>
             </a:fld>
             <a:endParaRPr lang="ko-KR" altLang="en-US"/>
           </a:p>
@@ -2334,7 +2334,7 @@
             <a:fld id="{9502BB97-296E-4713-B457-328173D87F93}" type="datetimeFigureOut">
               <a:rPr lang="ko-KR" altLang="en-US" smtClean="0"/>
               <a:pPr/>
-              <a:t>2017-01-11</a:t>
+              <a:t>2017-02-10</a:t>
             </a:fld>
             <a:endParaRPr lang="ko-KR" altLang="en-US"/>
           </a:p>
@@ -2614,7 +2614,7 @@
             <a:fld id="{9502BB97-296E-4713-B457-328173D87F93}" type="datetimeFigureOut">
               <a:rPr lang="ko-KR" altLang="en-US" smtClean="0"/>
               <a:pPr/>
-              <a:t>2017-01-11</a:t>
+              <a:t>2017-02-10</a:t>
             </a:fld>
             <a:endParaRPr lang="ko-KR" altLang="en-US"/>
           </a:p>
@@ -2982,7 +2982,7 @@
             <a:fld id="{9502BB97-296E-4713-B457-328173D87F93}" type="datetimeFigureOut">
               <a:rPr lang="ko-KR" altLang="en-US" smtClean="0"/>
               <a:pPr/>
-              <a:t>2017-01-11</a:t>
+              <a:t>2017-02-10</a:t>
             </a:fld>
             <a:endParaRPr lang="ko-KR" altLang="en-US"/>
           </a:p>
@@ -3421,7 +3421,7 @@
             <a:fld id="{9502BB97-296E-4713-B457-328173D87F93}" type="datetimeFigureOut">
               <a:rPr lang="ko-KR" altLang="en-US" smtClean="0"/>
               <a:pPr/>
-              <a:t>2017-01-11</a:t>
+              <a:t>2017-02-10</a:t>
             </a:fld>
             <a:endParaRPr lang="ko-KR" altLang="en-US"/>
           </a:p>
@@ -4165,7 +4165,7 @@
           </p:nvPr>
         </p:nvPicPr>
         <p:blipFill>
-          <a:blip r:embed="rId2"/>
+          <a:blip r:embed="rId2" cstate="print"/>
           <a:stretch>
             <a:fillRect/>
           </a:stretch>
@@ -4320,7 +4320,7 @@
           </p:nvPr>
         </p:nvPicPr>
         <p:blipFill>
-          <a:blip r:embed="rId2"/>
+          <a:blip r:embed="rId2" cstate="print"/>
           <a:stretch>
             <a:fillRect/>
           </a:stretch>
@@ -4803,7 +4803,7 @@
           </p:nvPr>
         </p:nvPicPr>
         <p:blipFill>
-          <a:blip r:embed="rId2"/>
+          <a:blip r:embed="rId2" cstate="print"/>
           <a:stretch>
             <a:fillRect/>
           </a:stretch>
@@ -4824,7 +4824,7 @@
           <p:nvPr/>
         </p:nvPicPr>
         <p:blipFill>
-          <a:blip r:embed="rId3"/>
+          <a:blip r:embed="rId3" cstate="print"/>
           <a:srcRect/>
           <a:stretch>
             <a:fillRect/>
@@ -5185,7 +5185,7 @@
         <p:spPr>
           <a:xfrm>
             <a:off x="6715140" y="3500438"/>
-            <a:ext cx="2214578" cy="369332"/>
+            <a:ext cx="2214578" cy="646331"/>
           </a:xfrm>
           <a:prstGeom prst="rect">
             <a:avLst/>
@@ -5210,14 +5210,14 @@
                 <a:latin typeface="HY견고딕" pitchFamily="18" charset="-127"/>
                 <a:ea typeface="HY견고딕" pitchFamily="18" charset="-127"/>
               </a:rPr>
-              <a:t>객체가 폭발한다</a:t>
+              <a:t>객체가 애니메이션을 한다</a:t>
             </a:r>
             <a:r>
               <a:rPr lang="en-US" altLang="ko-KR" dirty="0" smtClean="0">
                 <a:latin typeface="HY견고딕" pitchFamily="18" charset="-127"/>
                 <a:ea typeface="HY견고딕" pitchFamily="18" charset="-127"/>
               </a:rPr>
-              <a:t>&gt;</a:t>
+              <a:t>.&gt;</a:t>
             </a:r>
             <a:endParaRPr lang="ko-KR" altLang="en-US" dirty="0">
               <a:latin typeface="HY견고딕" pitchFamily="18" charset="-127"/>
@@ -5237,8 +5237,8 @@
         </p:nvCxnSpPr>
         <p:spPr>
           <a:xfrm rot="5400000">
-            <a:off x="4419970" y="1169549"/>
-            <a:ext cx="702238" cy="6102681"/>
+            <a:off x="4558470" y="1308048"/>
+            <a:ext cx="425239" cy="6102681"/>
           </a:xfrm>
           <a:prstGeom prst="bentConnector3">
             <a:avLst>
@@ -5433,7 +5433,7 @@
           <p:nvPr/>
         </p:nvPicPr>
         <p:blipFill>
-          <a:blip r:embed="rId4"/>
+          <a:blip r:embed="rId4" cstate="print"/>
           <a:srcRect/>
           <a:stretch>
             <a:fillRect/>
